--- a/docs/emccd_frame_geometry.pptx
+++ b/docs/emccd_frame_geometry.pptx
@@ -212,7 +212,7 @@
           <a:p>
             <a:fld id="{C780EDF0-B220-4811-B79B-B799C93F6E92}" type="datetimeFigureOut">
               <a:rPr lang="en-US" smtClean="0"/>
-              <a:t>12/7/21</a:t>
+              <a:t>12/10/21</a:t>
             </a:fld>
             <a:endParaRPr lang="en-US"/>
           </a:p>
@@ -658,7 +658,7 @@
           <a:p>
             <a:fld id="{81E00323-19E9-4A03-9AD8-02AD30A6EE69}" type="datetime1">
               <a:rPr lang="en-US" smtClean="0"/>
-              <a:t>12/7/21</a:t>
+              <a:t>12/10/21</a:t>
             </a:fld>
             <a:endParaRPr lang="en-US"/>
           </a:p>
@@ -838,7 +838,7 @@
           <a:p>
             <a:fld id="{E5BF1A61-1F13-495E-A2D9-BABB66C9C01C}" type="datetime1">
               <a:rPr lang="en-US" smtClean="0"/>
-              <a:t>12/7/21</a:t>
+              <a:t>12/10/21</a:t>
             </a:fld>
             <a:endParaRPr lang="en-US"/>
           </a:p>
@@ -1019,7 +1019,7 @@
           <a:p>
             <a:fld id="{07F80CDF-CEAB-4920-B966-EED6DA34175C}" type="datetime1">
               <a:rPr lang="en-US" smtClean="0"/>
-              <a:t>12/7/21</a:t>
+              <a:t>12/10/21</a:t>
             </a:fld>
             <a:endParaRPr lang="en-US"/>
           </a:p>
@@ -1214,7 +1214,7 @@
           <a:p>
             <a:fld id="{EE347C18-8E5F-4503-B57B-50D58AFB2CC2}" type="datetime1">
               <a:rPr lang="en-US" smtClean="0"/>
-              <a:t>12/7/21</a:t>
+              <a:t>12/10/21</a:t>
             </a:fld>
             <a:endParaRPr lang="en-US"/>
           </a:p>
@@ -1471,7 +1471,7 @@
           <a:p>
             <a:fld id="{84DE286F-AE86-4501-968E-7FA3FB749500}" type="datetime1">
               <a:rPr lang="en-US" smtClean="0"/>
-              <a:t>12/7/21</a:t>
+              <a:t>12/10/21</a:t>
             </a:fld>
             <a:endParaRPr lang="en-US"/>
           </a:p>
@@ -1759,7 +1759,7 @@
           <a:p>
             <a:fld id="{FBA4D1BC-72E7-46E0-8893-FD248CC45C11}" type="datetime1">
               <a:rPr lang="en-US" smtClean="0"/>
-              <a:t>12/7/21</a:t>
+              <a:t>12/10/21</a:t>
             </a:fld>
             <a:endParaRPr lang="en-US"/>
           </a:p>
@@ -2181,7 +2181,7 @@
           <a:p>
             <a:fld id="{790EC9B6-11CA-45B4-AB02-BB5E959683A9}" type="datetime1">
               <a:rPr lang="en-US" smtClean="0"/>
-              <a:t>12/7/21</a:t>
+              <a:t>12/10/21</a:t>
             </a:fld>
             <a:endParaRPr lang="en-US"/>
           </a:p>
@@ -2301,7 +2301,7 @@
           <a:p>
             <a:fld id="{0B242111-65AA-4C98-B58A-72C58A998965}" type="datetime1">
               <a:rPr lang="en-US" smtClean="0"/>
-              <a:t>12/7/21</a:t>
+              <a:t>12/10/21</a:t>
             </a:fld>
             <a:endParaRPr lang="en-US"/>
           </a:p>
@@ -2399,7 +2399,7 @@
           <a:p>
             <a:fld id="{D0890A1F-558D-4264-88A3-4E8B4049623B}" type="datetime1">
               <a:rPr lang="en-US" smtClean="0"/>
-              <a:t>12/7/21</a:t>
+              <a:t>12/10/21</a:t>
             </a:fld>
             <a:endParaRPr lang="en-US"/>
           </a:p>
@@ -2677,7 +2677,7 @@
           <a:p>
             <a:fld id="{4EDA4163-FDBA-4764-A32F-5EB90F0E345E}" type="datetime1">
               <a:rPr lang="en-US" smtClean="0"/>
-              <a:t>12/7/21</a:t>
+              <a:t>12/10/21</a:t>
             </a:fld>
             <a:endParaRPr lang="en-US"/>
           </a:p>
@@ -2935,7 +2935,7 @@
           <a:p>
             <a:fld id="{B0B3128C-A531-4772-8590-B144A624372D}" type="datetime1">
               <a:rPr lang="en-US" smtClean="0"/>
-              <a:t>12/7/21</a:t>
+              <a:t>12/10/21</a:t>
             </a:fld>
             <a:endParaRPr lang="en-US"/>
           </a:p>
@@ -3149,7 +3149,7 @@
           <a:p>
             <a:fld id="{17CBE4B7-C2FA-4AD5-A578-C3445030F6EB}" type="datetime1">
               <a:rPr lang="en-US" smtClean="0"/>
-              <a:t>12/7/21</a:t>
+              <a:t>12/10/21</a:t>
             </a:fld>
             <a:endParaRPr lang="en-US"/>
           </a:p>
@@ -3736,15 +3736,7 @@
             </a:pPr>
             <a:r>
               <a:rPr lang="en-US" sz="1800" dirty="0"/>
-              <a:t>Detector regions are defined in </a:t>
-            </a:r>
-            <a:r>
-              <a:rPr lang="en-US" sz="1800" dirty="0" err="1"/>
-              <a:t>metadata.yaml</a:t>
-            </a:r>
-            <a:r>
-              <a:rPr lang="en-US" sz="1800" dirty="0"/>
-              <a:t> using the following convention:</a:t>
+              <a:t>Detector regions are defined in metadata.yaml using the following convention:</a:t>
             </a:r>
           </a:p>
           <a:p>
@@ -3777,14 +3769,20 @@
             </a:pPr>
             <a:r>
               <a:rPr lang="en-US" sz="1800" dirty="0"/>
-              <a:t>For example, in a 5x5 array, the following geometry would look as follows:</a:t>
-            </a:r>
-          </a:p>
-          <a:p>
-            <a:pPr marL="0" indent="0">
-              <a:buNone/>
-            </a:pPr>
-            <a:endParaRPr lang="en-US" sz="1800" dirty="0"/>
+              <a:t>For example, in a 5x5 array of zeros, the following geometry would describe the region of ones, where </a:t>
+            </a:r>
+            <a:r>
+              <a:rPr lang="en-US" sz="1800" dirty="0">
+                <a:solidFill>
+                  <a:srgbClr val="1A00FF"/>
+                </a:solidFill>
+              </a:rPr>
+              <a:t>(0, 0) </a:t>
+            </a:r>
+            <a:r>
+              <a:rPr lang="en-US" sz="1800" dirty="0"/>
+              <a:t>is defined as the top left of the array:</a:t>
+            </a:r>
           </a:p>
         </p:txBody>
       </p:sp>
@@ -4014,10 +4012,7 @@
             <a:pPr marL="0" indent="0">
               <a:buNone/>
             </a:pPr>
-            <a:r>
-              <a:rPr lang="en-US" sz="1800" dirty="0"/>
-              <a:t>where (0, 0) is defined as the top left of this array.</a:t>
-            </a:r>
+            <a:endParaRPr lang="en-US" sz="1800" dirty="0"/>
           </a:p>
         </p:txBody>
       </p:sp>
@@ -4035,15 +4030,15 @@
         </p:nvSpPr>
         <p:spPr>
           <a:xfrm>
-            <a:off x="1906656" y="3880801"/>
-            <a:ext cx="4572000" cy="1477328"/>
+            <a:off x="3505200" y="4120783"/>
+            <a:ext cx="1676401" cy="923330"/>
           </a:xfrm>
           <a:prstGeom prst="rect">
             <a:avLst/>
           </a:prstGeom>
         </p:spPr>
         <p:txBody>
-          <a:bodyPr>
+          <a:bodyPr wrap="square">
             <a:spAutoFit/>
           </a:bodyPr>
           <a:lstStyle/>
@@ -4062,19 +4057,15 @@
           <a:p>
             <a:r>
               <a:rPr lang="en-US" dirty="0"/>
-              <a:t>r0c0:</a:t>
-            </a:r>
-          </a:p>
-          <a:p>
-            <a:r>
-              <a:rPr lang="en-US" dirty="0"/>
-              <a:t>    - 2</a:t>
-            </a:r>
-          </a:p>
-          <a:p>
-            <a:r>
-              <a:rPr lang="en-US" dirty="0"/>
-              <a:t>    - 1</a:t>
+              <a:t>r0c0: </a:t>
+            </a:r>
+            <a:r>
+              <a:rPr lang="en-US" dirty="0">
+                <a:solidFill>
+                  <a:srgbClr val="FF0000"/>
+                </a:solidFill>
+              </a:rPr>
+              <a:t>(2, 1)</a:t>
             </a:r>
           </a:p>
         </p:txBody>
@@ -4093,7 +4084,7 @@
         </p:nvSpPr>
         <p:spPr>
           <a:xfrm>
-            <a:off x="4195969" y="3880801"/>
+            <a:off x="5079625" y="4124369"/>
             <a:ext cx="1967948" cy="1477328"/>
           </a:xfrm>
           <a:prstGeom prst="rect">
@@ -4108,7 +4099,19 @@
           <a:p>
             <a:r>
               <a:rPr lang="en-US" dirty="0"/>
-              <a:t>   [[0, 0, 0, 0, 0],</a:t>
+              <a:t>   [[</a:t>
+            </a:r>
+            <a:r>
+              <a:rPr lang="en-US" dirty="0">
+                <a:solidFill>
+                  <a:srgbClr val="1A00FF"/>
+                </a:solidFill>
+              </a:rPr>
+              <a:t>0</a:t>
+            </a:r>
+            <a:r>
+              <a:rPr lang="en-US" dirty="0"/>
+              <a:t>, 0, 0, 0, 0],</a:t>
             </a:r>
           </a:p>
           <a:p>
@@ -4120,7 +4123,19 @@
           <a:p>
             <a:r>
               <a:rPr lang="en-US" dirty="0"/>
-              <a:t>    [0, 1, 1, 1, 0],</a:t>
+              <a:t>    [0, </a:t>
+            </a:r>
+            <a:r>
+              <a:rPr lang="en-US" dirty="0">
+                <a:solidFill>
+                  <a:srgbClr val="FF0000"/>
+                </a:solidFill>
+              </a:rPr>
+              <a:t>1</a:t>
+            </a:r>
+            <a:r>
+              <a:rPr lang="en-US" dirty="0"/>
+              <a:t>, 1, 1, 0],</a:t>
             </a:r>
           </a:p>
           <a:p>
@@ -4133,6 +4148,77 @@
             <a:r>
               <a:rPr lang="en-US" dirty="0"/>
               <a:t>    [0, 0, 0, 0, 0]]</a:t>
+            </a:r>
+          </a:p>
+        </p:txBody>
+      </p:sp>
+      <p:pic>
+        <p:nvPicPr>
+          <p:cNvPr id="6" name="Picture 5">
+            <a:extLst>
+              <a:ext uri="{FF2B5EF4-FFF2-40B4-BE49-F238E27FC236}">
+                <a16:creationId xmlns:a16="http://schemas.microsoft.com/office/drawing/2014/main" id="{6ABE2090-62A5-914C-8DAF-1DE3BD33EE7D}"/>
+              </a:ext>
+            </a:extLst>
+          </p:cNvPr>
+          <p:cNvPicPr>
+            <a:picLocks noChangeAspect="1"/>
+          </p:cNvPicPr>
+          <p:nvPr/>
+        </p:nvPicPr>
+        <p:blipFill>
+          <a:blip r:embed="rId2"/>
+          <a:stretch>
+            <a:fillRect/>
+          </a:stretch>
+        </p:blipFill>
+        <p:spPr>
+          <a:xfrm>
+            <a:off x="3429872" y="5215054"/>
+            <a:ext cx="1269007" cy="1048310"/>
+          </a:xfrm>
+          <a:prstGeom prst="rect">
+            <a:avLst/>
+          </a:prstGeom>
+        </p:spPr>
+      </p:pic>
+      <p:sp>
+        <p:nvSpPr>
+          <p:cNvPr id="7" name="TextBox 6">
+            <a:extLst>
+              <a:ext uri="{FF2B5EF4-FFF2-40B4-BE49-F238E27FC236}">
+                <a16:creationId xmlns:a16="http://schemas.microsoft.com/office/drawing/2014/main" id="{C6A0AE42-C198-3D4B-A53D-73CF5D269DBD}"/>
+              </a:ext>
+            </a:extLst>
+          </p:cNvPr>
+          <p:cNvSpPr txBox="1"/>
+          <p:nvPr/>
+        </p:nvSpPr>
+        <p:spPr>
+          <a:xfrm>
+            <a:off x="1369609" y="5378110"/>
+            <a:ext cx="1870769" cy="646331"/>
+          </a:xfrm>
+          <a:prstGeom prst="rect">
+            <a:avLst/>
+          </a:prstGeom>
+          <a:noFill/>
+        </p:spPr>
+        <p:txBody>
+          <a:bodyPr wrap="none" rtlCol="0">
+            <a:spAutoFit/>
+          </a:bodyPr>
+          <a:lstStyle/>
+          <a:p>
+            <a:r>
+              <a:rPr lang="en-US" dirty="0"/>
+              <a:t>How it looks </a:t>
+            </a:r>
+          </a:p>
+          <a:p>
+            <a:r>
+              <a:rPr lang="en-US" dirty="0"/>
+              <a:t>in metadata.yaml:</a:t>
             </a:r>
           </a:p>
         </p:txBody>
